--- a/Week 2/Session 2 - Introduction and Assumptions of Multilevel Modeling.pptx
+++ b/Week 2/Session 2 - Introduction and Assumptions of Multilevel Modeling.pptx
@@ -6053,6 +6053,135 @@
     </pc:docChg>
   </pc:docChgLst>
   <pc:docChgLst>
+    <pc:chgData name="Mike B" userId="5c4bf6a326bf31f5" providerId="LiveId" clId="{3432D430-2FD5-4C55-B9AB-5F320ADAA244}"/>
+    <pc:docChg chg="modSld">
+      <pc:chgData name="Mike B" userId="5c4bf6a326bf31f5" providerId="LiveId" clId="{3432D430-2FD5-4C55-B9AB-5F320ADAA244}" dt="2022-02-21T17:18:01.634" v="67" actId="20577"/>
+      <pc:docMkLst>
+        <pc:docMk/>
+      </pc:docMkLst>
+      <pc:sldChg chg="modSp mod">
+        <pc:chgData name="Mike B" userId="5c4bf6a326bf31f5" providerId="LiveId" clId="{3432D430-2FD5-4C55-B9AB-5F320ADAA244}" dt="2022-02-12T20:23:00.273" v="10" actId="20577"/>
+        <pc:sldMkLst>
+          <pc:docMk/>
+          <pc:sldMk cId="3723772096" sldId="461"/>
+        </pc:sldMkLst>
+        <pc:spChg chg="mod">
+          <ac:chgData name="Mike B" userId="5c4bf6a326bf31f5" providerId="LiveId" clId="{3432D430-2FD5-4C55-B9AB-5F320ADAA244}" dt="2022-02-12T20:23:00.273" v="10" actId="20577"/>
+          <ac:spMkLst>
+            <pc:docMk/>
+            <pc:sldMk cId="3723772096" sldId="461"/>
+            <ac:spMk id="2" creationId="{00000000-0000-0000-0000-000000000000}"/>
+          </ac:spMkLst>
+        </pc:spChg>
+      </pc:sldChg>
+      <pc:sldChg chg="modSp">
+        <pc:chgData name="Mike B" userId="5c4bf6a326bf31f5" providerId="LiveId" clId="{3432D430-2FD5-4C55-B9AB-5F320ADAA244}" dt="2022-02-12T20:23:21.673" v="11" actId="20577"/>
+        <pc:sldMkLst>
+          <pc:docMk/>
+          <pc:sldMk cId="881136697" sldId="529"/>
+        </pc:sldMkLst>
+        <pc:spChg chg="mod">
+          <ac:chgData name="Mike B" userId="5c4bf6a326bf31f5" providerId="LiveId" clId="{3432D430-2FD5-4C55-B9AB-5F320ADAA244}" dt="2022-02-12T20:23:21.673" v="11" actId="20577"/>
+          <ac:spMkLst>
+            <pc:docMk/>
+            <pc:sldMk cId="881136697" sldId="529"/>
+            <ac:spMk id="3" creationId="{00000000-0000-0000-0000-000000000000}"/>
+          </ac:spMkLst>
+        </pc:spChg>
+      </pc:sldChg>
+      <pc:sldChg chg="modSp mod">
+        <pc:chgData name="Mike B" userId="5c4bf6a326bf31f5" providerId="LiveId" clId="{3432D430-2FD5-4C55-B9AB-5F320ADAA244}" dt="2022-02-12T20:25:33.498" v="39" actId="20577"/>
+        <pc:sldMkLst>
+          <pc:docMk/>
+          <pc:sldMk cId="834623402" sldId="547"/>
+        </pc:sldMkLst>
+        <pc:spChg chg="mod">
+          <ac:chgData name="Mike B" userId="5c4bf6a326bf31f5" providerId="LiveId" clId="{3432D430-2FD5-4C55-B9AB-5F320ADAA244}" dt="2022-02-12T20:25:33.498" v="39" actId="20577"/>
+          <ac:spMkLst>
+            <pc:docMk/>
+            <pc:sldMk cId="834623402" sldId="547"/>
+            <ac:spMk id="3" creationId="{00000000-0000-0000-0000-000000000000}"/>
+          </ac:spMkLst>
+        </pc:spChg>
+      </pc:sldChg>
+      <pc:sldChg chg="modSp mod">
+        <pc:chgData name="Mike B" userId="5c4bf6a326bf31f5" providerId="LiveId" clId="{3432D430-2FD5-4C55-B9AB-5F320ADAA244}" dt="2022-02-12T20:25:57.985" v="51" actId="20577"/>
+        <pc:sldMkLst>
+          <pc:docMk/>
+          <pc:sldMk cId="3625575901" sldId="551"/>
+        </pc:sldMkLst>
+        <pc:spChg chg="mod">
+          <ac:chgData name="Mike B" userId="5c4bf6a326bf31f5" providerId="LiveId" clId="{3432D430-2FD5-4C55-B9AB-5F320ADAA244}" dt="2022-02-12T20:25:57.985" v="51" actId="20577"/>
+          <ac:spMkLst>
+            <pc:docMk/>
+            <pc:sldMk cId="3625575901" sldId="551"/>
+            <ac:spMk id="3" creationId="{00000000-0000-0000-0000-000000000000}"/>
+          </ac:spMkLst>
+        </pc:spChg>
+      </pc:sldChg>
+      <pc:sldChg chg="modSp modAnim">
+        <pc:chgData name="Mike B" userId="5c4bf6a326bf31f5" providerId="LiveId" clId="{3432D430-2FD5-4C55-B9AB-5F320ADAA244}" dt="2022-02-12T20:27:24.449" v="59" actId="20577"/>
+        <pc:sldMkLst>
+          <pc:docMk/>
+          <pc:sldMk cId="3749001237" sldId="633"/>
+        </pc:sldMkLst>
+        <pc:spChg chg="mod">
+          <ac:chgData name="Mike B" userId="5c4bf6a326bf31f5" providerId="LiveId" clId="{3432D430-2FD5-4C55-B9AB-5F320ADAA244}" dt="2022-02-12T20:27:24.449" v="59" actId="20577"/>
+          <ac:spMkLst>
+            <pc:docMk/>
+            <pc:sldMk cId="3749001237" sldId="633"/>
+            <ac:spMk id="2" creationId="{00000000-0000-0000-0000-000000000000}"/>
+          </ac:spMkLst>
+        </pc:spChg>
+      </pc:sldChg>
+      <pc:sldChg chg="modSp">
+        <pc:chgData name="Mike B" userId="5c4bf6a326bf31f5" providerId="LiveId" clId="{3432D430-2FD5-4C55-B9AB-5F320ADAA244}" dt="2022-02-21T17:18:01.634" v="67" actId="20577"/>
+        <pc:sldMkLst>
+          <pc:docMk/>
+          <pc:sldMk cId="2691135494" sldId="778"/>
+        </pc:sldMkLst>
+        <pc:spChg chg="mod">
+          <ac:chgData name="Mike B" userId="5c4bf6a326bf31f5" providerId="LiveId" clId="{3432D430-2FD5-4C55-B9AB-5F320ADAA244}" dt="2022-02-21T17:18:01.634" v="67" actId="20577"/>
+          <ac:spMkLst>
+            <pc:docMk/>
+            <pc:sldMk cId="2691135494" sldId="778"/>
+            <ac:spMk id="3" creationId="{00000000-0000-0000-0000-000000000000}"/>
+          </ac:spMkLst>
+        </pc:spChg>
+      </pc:sldChg>
+      <pc:sldChg chg="modSp mod">
+        <pc:chgData name="Mike B" userId="5c4bf6a326bf31f5" providerId="LiveId" clId="{3432D430-2FD5-4C55-B9AB-5F320ADAA244}" dt="2022-02-12T20:29:15.286" v="63" actId="20577"/>
+        <pc:sldMkLst>
+          <pc:docMk/>
+          <pc:sldMk cId="494230690" sldId="780"/>
+        </pc:sldMkLst>
+        <pc:spChg chg="mod">
+          <ac:chgData name="Mike B" userId="5c4bf6a326bf31f5" providerId="LiveId" clId="{3432D430-2FD5-4C55-B9AB-5F320ADAA244}" dt="2022-02-12T20:29:15.286" v="63" actId="20577"/>
+          <ac:spMkLst>
+            <pc:docMk/>
+            <pc:sldMk cId="494230690" sldId="780"/>
+            <ac:spMk id="3" creationId="{00000000-0000-0000-0000-000000000000}"/>
+          </ac:spMkLst>
+        </pc:spChg>
+      </pc:sldChg>
+      <pc:sldChg chg="modSp mod">
+        <pc:chgData name="Mike B" userId="5c4bf6a326bf31f5" providerId="LiveId" clId="{3432D430-2FD5-4C55-B9AB-5F320ADAA244}" dt="2022-02-12T20:29:22.156" v="66" actId="20577"/>
+        <pc:sldMkLst>
+          <pc:docMk/>
+          <pc:sldMk cId="184063669" sldId="782"/>
+        </pc:sldMkLst>
+        <pc:spChg chg="mod">
+          <ac:chgData name="Mike B" userId="5c4bf6a326bf31f5" providerId="LiveId" clId="{3432D430-2FD5-4C55-B9AB-5F320ADAA244}" dt="2022-02-12T20:29:22.156" v="66" actId="20577"/>
+          <ac:spMkLst>
+            <pc:docMk/>
+            <pc:sldMk cId="184063669" sldId="782"/>
+            <ac:spMk id="3" creationId="{00000000-0000-0000-0000-000000000000}"/>
+          </ac:spMkLst>
+        </pc:spChg>
+      </pc:sldChg>
+    </pc:docChg>
+  </pc:docChgLst>
+  <pc:docChgLst>
     <pc:chgData name="Mike B" userId="5c4bf6a326bf31f5" providerId="LiveId" clId="{76DDEA14-774A-4263-9F62-41BDB638666F}"/>
     <pc:docChg chg="undo custSel addSld delSld modSld">
       <pc:chgData name="Mike B" userId="5c4bf6a326bf31f5" providerId="LiveId" clId="{76DDEA14-774A-4263-9F62-41BDB638666F}" dt="2025-01-08T17:34:27.689" v="776" actId="5793"/>
@@ -6321,135 +6450,6 @@
           <pc:docMk/>
           <pc:sldMk cId="184063669" sldId="782"/>
         </pc:sldMkLst>
-      </pc:sldChg>
-    </pc:docChg>
-  </pc:docChgLst>
-  <pc:docChgLst>
-    <pc:chgData name="Mike B" userId="5c4bf6a326bf31f5" providerId="LiveId" clId="{3432D430-2FD5-4C55-B9AB-5F320ADAA244}"/>
-    <pc:docChg chg="modSld">
-      <pc:chgData name="Mike B" userId="5c4bf6a326bf31f5" providerId="LiveId" clId="{3432D430-2FD5-4C55-B9AB-5F320ADAA244}" dt="2022-02-21T17:18:01.634" v="67" actId="20577"/>
-      <pc:docMkLst>
-        <pc:docMk/>
-      </pc:docMkLst>
-      <pc:sldChg chg="modSp mod">
-        <pc:chgData name="Mike B" userId="5c4bf6a326bf31f5" providerId="LiveId" clId="{3432D430-2FD5-4C55-B9AB-5F320ADAA244}" dt="2022-02-12T20:23:00.273" v="10" actId="20577"/>
-        <pc:sldMkLst>
-          <pc:docMk/>
-          <pc:sldMk cId="3723772096" sldId="461"/>
-        </pc:sldMkLst>
-        <pc:spChg chg="mod">
-          <ac:chgData name="Mike B" userId="5c4bf6a326bf31f5" providerId="LiveId" clId="{3432D430-2FD5-4C55-B9AB-5F320ADAA244}" dt="2022-02-12T20:23:00.273" v="10" actId="20577"/>
-          <ac:spMkLst>
-            <pc:docMk/>
-            <pc:sldMk cId="3723772096" sldId="461"/>
-            <ac:spMk id="2" creationId="{00000000-0000-0000-0000-000000000000}"/>
-          </ac:spMkLst>
-        </pc:spChg>
-      </pc:sldChg>
-      <pc:sldChg chg="modSp">
-        <pc:chgData name="Mike B" userId="5c4bf6a326bf31f5" providerId="LiveId" clId="{3432D430-2FD5-4C55-B9AB-5F320ADAA244}" dt="2022-02-12T20:23:21.673" v="11" actId="20577"/>
-        <pc:sldMkLst>
-          <pc:docMk/>
-          <pc:sldMk cId="881136697" sldId="529"/>
-        </pc:sldMkLst>
-        <pc:spChg chg="mod">
-          <ac:chgData name="Mike B" userId="5c4bf6a326bf31f5" providerId="LiveId" clId="{3432D430-2FD5-4C55-B9AB-5F320ADAA244}" dt="2022-02-12T20:23:21.673" v="11" actId="20577"/>
-          <ac:spMkLst>
-            <pc:docMk/>
-            <pc:sldMk cId="881136697" sldId="529"/>
-            <ac:spMk id="3" creationId="{00000000-0000-0000-0000-000000000000}"/>
-          </ac:spMkLst>
-        </pc:spChg>
-      </pc:sldChg>
-      <pc:sldChg chg="modSp mod">
-        <pc:chgData name="Mike B" userId="5c4bf6a326bf31f5" providerId="LiveId" clId="{3432D430-2FD5-4C55-B9AB-5F320ADAA244}" dt="2022-02-12T20:25:33.498" v="39" actId="20577"/>
-        <pc:sldMkLst>
-          <pc:docMk/>
-          <pc:sldMk cId="834623402" sldId="547"/>
-        </pc:sldMkLst>
-        <pc:spChg chg="mod">
-          <ac:chgData name="Mike B" userId="5c4bf6a326bf31f5" providerId="LiveId" clId="{3432D430-2FD5-4C55-B9AB-5F320ADAA244}" dt="2022-02-12T20:25:33.498" v="39" actId="20577"/>
-          <ac:spMkLst>
-            <pc:docMk/>
-            <pc:sldMk cId="834623402" sldId="547"/>
-            <ac:spMk id="3" creationId="{00000000-0000-0000-0000-000000000000}"/>
-          </ac:spMkLst>
-        </pc:spChg>
-      </pc:sldChg>
-      <pc:sldChg chg="modSp mod">
-        <pc:chgData name="Mike B" userId="5c4bf6a326bf31f5" providerId="LiveId" clId="{3432D430-2FD5-4C55-B9AB-5F320ADAA244}" dt="2022-02-12T20:25:57.985" v="51" actId="20577"/>
-        <pc:sldMkLst>
-          <pc:docMk/>
-          <pc:sldMk cId="3625575901" sldId="551"/>
-        </pc:sldMkLst>
-        <pc:spChg chg="mod">
-          <ac:chgData name="Mike B" userId="5c4bf6a326bf31f5" providerId="LiveId" clId="{3432D430-2FD5-4C55-B9AB-5F320ADAA244}" dt="2022-02-12T20:25:57.985" v="51" actId="20577"/>
-          <ac:spMkLst>
-            <pc:docMk/>
-            <pc:sldMk cId="3625575901" sldId="551"/>
-            <ac:spMk id="3" creationId="{00000000-0000-0000-0000-000000000000}"/>
-          </ac:spMkLst>
-        </pc:spChg>
-      </pc:sldChg>
-      <pc:sldChg chg="modSp modAnim">
-        <pc:chgData name="Mike B" userId="5c4bf6a326bf31f5" providerId="LiveId" clId="{3432D430-2FD5-4C55-B9AB-5F320ADAA244}" dt="2022-02-12T20:27:24.449" v="59" actId="20577"/>
-        <pc:sldMkLst>
-          <pc:docMk/>
-          <pc:sldMk cId="3749001237" sldId="633"/>
-        </pc:sldMkLst>
-        <pc:spChg chg="mod">
-          <ac:chgData name="Mike B" userId="5c4bf6a326bf31f5" providerId="LiveId" clId="{3432D430-2FD5-4C55-B9AB-5F320ADAA244}" dt="2022-02-12T20:27:24.449" v="59" actId="20577"/>
-          <ac:spMkLst>
-            <pc:docMk/>
-            <pc:sldMk cId="3749001237" sldId="633"/>
-            <ac:spMk id="2" creationId="{00000000-0000-0000-0000-000000000000}"/>
-          </ac:spMkLst>
-        </pc:spChg>
-      </pc:sldChg>
-      <pc:sldChg chg="modSp">
-        <pc:chgData name="Mike B" userId="5c4bf6a326bf31f5" providerId="LiveId" clId="{3432D430-2FD5-4C55-B9AB-5F320ADAA244}" dt="2022-02-21T17:18:01.634" v="67" actId="20577"/>
-        <pc:sldMkLst>
-          <pc:docMk/>
-          <pc:sldMk cId="2691135494" sldId="778"/>
-        </pc:sldMkLst>
-        <pc:spChg chg="mod">
-          <ac:chgData name="Mike B" userId="5c4bf6a326bf31f5" providerId="LiveId" clId="{3432D430-2FD5-4C55-B9AB-5F320ADAA244}" dt="2022-02-21T17:18:01.634" v="67" actId="20577"/>
-          <ac:spMkLst>
-            <pc:docMk/>
-            <pc:sldMk cId="2691135494" sldId="778"/>
-            <ac:spMk id="3" creationId="{00000000-0000-0000-0000-000000000000}"/>
-          </ac:spMkLst>
-        </pc:spChg>
-      </pc:sldChg>
-      <pc:sldChg chg="modSp mod">
-        <pc:chgData name="Mike B" userId="5c4bf6a326bf31f5" providerId="LiveId" clId="{3432D430-2FD5-4C55-B9AB-5F320ADAA244}" dt="2022-02-12T20:29:15.286" v="63" actId="20577"/>
-        <pc:sldMkLst>
-          <pc:docMk/>
-          <pc:sldMk cId="494230690" sldId="780"/>
-        </pc:sldMkLst>
-        <pc:spChg chg="mod">
-          <ac:chgData name="Mike B" userId="5c4bf6a326bf31f5" providerId="LiveId" clId="{3432D430-2FD5-4C55-B9AB-5F320ADAA244}" dt="2022-02-12T20:29:15.286" v="63" actId="20577"/>
-          <ac:spMkLst>
-            <pc:docMk/>
-            <pc:sldMk cId="494230690" sldId="780"/>
-            <ac:spMk id="3" creationId="{00000000-0000-0000-0000-000000000000}"/>
-          </ac:spMkLst>
-        </pc:spChg>
-      </pc:sldChg>
-      <pc:sldChg chg="modSp mod">
-        <pc:chgData name="Mike B" userId="5c4bf6a326bf31f5" providerId="LiveId" clId="{3432D430-2FD5-4C55-B9AB-5F320ADAA244}" dt="2022-02-12T20:29:22.156" v="66" actId="20577"/>
-        <pc:sldMkLst>
-          <pc:docMk/>
-          <pc:sldMk cId="184063669" sldId="782"/>
-        </pc:sldMkLst>
-        <pc:spChg chg="mod">
-          <ac:chgData name="Mike B" userId="5c4bf6a326bf31f5" providerId="LiveId" clId="{3432D430-2FD5-4C55-B9AB-5F320ADAA244}" dt="2022-02-12T20:29:22.156" v="66" actId="20577"/>
-          <ac:spMkLst>
-            <pc:docMk/>
-            <pc:sldMk cId="184063669" sldId="782"/>
-            <ac:spMk id="3" creationId="{00000000-0000-0000-0000-000000000000}"/>
-          </ac:spMkLst>
-        </pc:spChg>
       </pc:sldChg>
     </pc:docChg>
   </pc:docChgLst>
@@ -6624,7 +6624,7 @@
           <a:p>
             <a:fld id="{A96E0CAE-2DE7-439C-BCF1-8B171D71348A}" type="datetimeFigureOut">
               <a:rPr lang="en-US" smtClean="0"/>
-              <a:t>1/27/25</a:t>
+              <a:t>2/21/25</a:t>
             </a:fld>
             <a:endParaRPr lang="en-US"/>
           </a:p>
@@ -16307,8 +16307,48 @@
                 </a:solidFill>
                 <a:ea typeface="Lucida Grande"/>
               </a:rPr>
-              <a:t>Normally distributed; linearly related to DV; homoscedasticity</a:t>
+              <a:t>Normally distributed; </a:t>
             </a:r>
+          </a:p>
+          <a:p>
+            <a:pPr lvl="2"/>
+            <a:r>
+              <a:rPr lang="en-US" dirty="0">
+                <a:solidFill>
+                  <a:schemeClr val="tx1"/>
+                </a:solidFill>
+                <a:ea typeface="Lucida Grande"/>
+              </a:rPr>
+              <a:t>linearly related to DV; </a:t>
+            </a:r>
+          </a:p>
+          <a:p>
+            <a:pPr lvl="2"/>
+            <a:r>
+              <a:rPr lang="en-US" dirty="0">
+                <a:solidFill>
+                  <a:schemeClr val="tx1"/>
+                </a:solidFill>
+                <a:ea typeface="Lucida Grande"/>
+              </a:rPr>
+              <a:t>Homoscedasticity: </a:t>
+            </a:r>
+            <a:r>
+              <a:rPr lang="en-US" b="0" i="0" dirty="0">
+                <a:solidFill>
+                  <a:srgbClr val="FF0000"/>
+                </a:solidFill>
+                <a:effectLst/>
+                <a:latin typeface="Google Sans"/>
+              </a:rPr>
+              <a:t>variance of the error terms (residuals) is constant across all levels of the IV</a:t>
+            </a:r>
+            <a:endParaRPr lang="en-US" dirty="0">
+              <a:solidFill>
+                <a:srgbClr val="FF0000"/>
+              </a:solidFill>
+              <a:ea typeface="Lucida Grande"/>
+            </a:endParaRPr>
           </a:p>
           <a:p>
             <a:pPr marL="457200" indent="-457200">
@@ -17517,22 +17557,13 @@
               <a:buChar char="•"/>
             </a:pPr>
             <a:r>
-              <a:rPr lang="en-US">
-                <a:solidFill>
-                  <a:schemeClr val="tx1"/>
-                </a:solidFill>
-                <a:ea typeface="Lucida Grande"/>
-              </a:rPr>
-              <a:t>Just FYI: only </a:t>
-            </a:r>
-            <a:r>
               <a:rPr lang="en-US" dirty="0">
                 <a:solidFill>
                   <a:schemeClr val="tx1"/>
                 </a:solidFill>
                 <a:ea typeface="Lucida Grande"/>
               </a:rPr>
-              <a:t>relevant when multiple random variances included in the model</a:t>
+              <a:t>Just FYI: only relevant when multiple random variances included in the model</a:t>
             </a:r>
           </a:p>
           <a:p>
